--- a/ProjAppPresentation.pptx
+++ b/ProjAppPresentation.pptx
@@ -300,7 +300,7 @@
           <a:p>
             <a:fld id="{E6608994-B797-684B-8783-5F9DC4AC0A4E}" type="datetimeFigureOut">
               <a:rPr kumimoji="1" lang="ja-JP" altLang="en-US" smtClean="0"/>
-              <a:t>2019/7/16</a:t>
+              <a:t>2019/7/17</a:t>
             </a:fld>
             <a:endParaRPr kumimoji="1" lang="ja-JP" altLang="en-US"/>
           </a:p>
@@ -399,7 +399,7 @@
           <a:p>
             <a:fld id="{187B8588-1665-0A4A-AD47-68FFFFC620D1}" type="datetimeFigureOut">
               <a:rPr kumimoji="1" lang="ja-JP" altLang="en-US" smtClean="0"/>
-              <a:t>2019/7/16</a:t>
+              <a:t>2019/7/17</a:t>
             </a:fld>
             <a:endParaRPr kumimoji="1" lang="ja-JP" altLang="en-US"/>
           </a:p>
@@ -6721,7 +6721,6 @@
               <a:rPr lang="en-US" dirty="0"/>
               <a:t>Scopul aplicației</a:t>
             </a:r>
-            <a:endParaRPr lang="en-US" dirty="0"/>
           </a:p>
         </p:txBody>
       </p:sp>
@@ -7051,7 +7050,6 @@
               <a:rPr lang="en-US" altLang="ja-JP" dirty="0"/>
               <a:t> ulterioare</a:t>
             </a:r>
-            <a:endParaRPr lang="en-US" altLang="ja-JP" dirty="0"/>
           </a:p>
         </p:txBody>
       </p:sp>
@@ -7214,7 +7212,6 @@
               <a:rPr lang="en-US" sz="15000" b="1" dirty="0"/>
               <a:t>?</a:t>
             </a:r>
-            <a:endParaRPr lang="en-US" sz="15000" b="1" dirty="0"/>
           </a:p>
         </p:txBody>
       </p:sp>
@@ -7653,7 +7650,6 @@
               <a:rPr lang="en-US" dirty="0"/>
               <a:t>practică</a:t>
             </a:r>
-            <a:endParaRPr lang="en-US" dirty="0"/>
           </a:p>
         </p:txBody>
       </p:sp>
@@ -7796,7 +7792,6 @@
               <a:rPr lang="en-US" dirty="0"/>
               <a:t>practică</a:t>
             </a:r>
-            <a:endParaRPr lang="en-US" dirty="0"/>
           </a:p>
         </p:txBody>
       </p:sp>
@@ -8100,34 +8095,6 @@
       </p:sp>
       <p:sp>
         <p:nvSpPr>
-          <p:cNvPr id="4" name="コンテンツ プレースホルダー 3"/>
-          <p:cNvSpPr>
-            <a:spLocks noGrp="1"/>
-          </p:cNvSpPr>
-          <p:nvPr>
-            <p:ph idx="1"/>
-          </p:nvPr>
-        </p:nvSpPr>
-        <p:spPr>
-          <a:xfrm>
-            <a:off x="664621" y="756320"/>
-            <a:ext cx="11008183" cy="5720680"/>
-          </a:xfrm>
-        </p:spPr>
-        <p:txBody>
-          <a:bodyPr/>
-          <a:lstStyle/>
-          <a:p>
-            <a:pPr marL="342900" indent="-342900">
-              <a:buFont typeface="Arial" panose="020B0604020202020204" pitchFamily="34" charset="0"/>
-              <a:buChar char="•"/>
-            </a:pPr>
-            <a:endParaRPr kumimoji="1" lang="en-US" altLang="ja-JP" dirty="0"/>
-          </a:p>
-        </p:txBody>
-      </p:sp>
-      <p:sp>
-        <p:nvSpPr>
           <p:cNvPr id="2" name="CqClassificationStamp"/>
           <p:cNvSpPr txBox="1"/>
           <p:nvPr/>
@@ -8198,6 +8165,25 @@
               </a:solidFill>
               <a:latin typeface="Arial" panose="020B0604020202020204" pitchFamily="34" charset="0"/>
             </a:endParaRPr>
+          </a:p>
+        </p:txBody>
+      </p:sp>
+      <p:sp>
+        <p:nvSpPr>
+          <p:cNvPr id="7" name="Content Placeholder 6"/>
+          <p:cNvSpPr>
+            <a:spLocks noGrp="1"/>
+          </p:cNvSpPr>
+          <p:nvPr>
+            <p:ph idx="1"/>
+          </p:nvPr>
+        </p:nvSpPr>
+        <p:spPr/>
+        <p:txBody>
+          <a:bodyPr/>
+          <a:lstStyle/>
+          <a:p>
+            <a:endParaRPr lang="en-US" dirty="0"/>
           </a:p>
         </p:txBody>
       </p:sp>
@@ -8428,6 +8414,215 @@
               <a:buFont typeface="Arial" panose="020B0604020202020204" pitchFamily="34" charset="0"/>
               <a:buChar char="•"/>
             </a:pPr>
+            <a:r>
+              <a:rPr kumimoji="1" lang="en-US" altLang="ja-JP" dirty="0" smtClean="0"/>
+              <a:t>- </a:t>
+            </a:r>
+            <a:r>
+              <a:rPr kumimoji="1" lang="en-US" altLang="ja-JP" dirty="0" err="1" smtClean="0"/>
+              <a:t>gestionarea</a:t>
+            </a:r>
+            <a:r>
+              <a:rPr kumimoji="1" lang="en-US" altLang="ja-JP" dirty="0" smtClean="0"/>
+              <a:t> </a:t>
+            </a:r>
+            <a:r>
+              <a:rPr kumimoji="1" lang="en-US" altLang="ja-JP" dirty="0" err="1" smtClean="0"/>
+              <a:t>proiectelor</a:t>
+            </a:r>
+            <a:r>
+              <a:rPr kumimoji="1" lang="en-US" altLang="ja-JP" dirty="0" smtClean="0"/>
+              <a:t> in </a:t>
+            </a:r>
+            <a:r>
+              <a:rPr kumimoji="1" lang="en-US" altLang="ja-JP" dirty="0" err="1" smtClean="0"/>
+              <a:t>vederea</a:t>
+            </a:r>
+            <a:r>
+              <a:rPr kumimoji="1" lang="en-US" altLang="ja-JP" dirty="0" smtClean="0"/>
+              <a:t> </a:t>
+            </a:r>
+            <a:r>
+              <a:rPr kumimoji="1" lang="en-US" altLang="ja-JP" dirty="0" err="1" smtClean="0"/>
+              <a:t>distribuirii</a:t>
+            </a:r>
+            <a:r>
+              <a:rPr kumimoji="1" lang="en-US" altLang="ja-JP" dirty="0" smtClean="0"/>
+              <a:t> de </a:t>
+            </a:r>
+            <a:r>
+              <a:rPr kumimoji="1" lang="en-US" altLang="ja-JP" dirty="0" err="1" smtClean="0"/>
+              <a:t>roluri</a:t>
+            </a:r>
+            <a:r>
+              <a:rPr kumimoji="1" lang="en-US" altLang="ja-JP" dirty="0" smtClean="0"/>
+              <a:t> </a:t>
+            </a:r>
+            <a:r>
+              <a:rPr kumimoji="1" lang="en-US" altLang="ja-JP" dirty="0" err="1" smtClean="0"/>
+              <a:t>si</a:t>
+            </a:r>
+            <a:r>
+              <a:rPr kumimoji="1" lang="en-US" altLang="ja-JP" dirty="0" smtClean="0"/>
+              <a:t> </a:t>
+            </a:r>
+            <a:r>
+              <a:rPr kumimoji="1" lang="en-US" altLang="ja-JP" dirty="0" err="1" smtClean="0"/>
+              <a:t>atributii</a:t>
+            </a:r>
+            <a:r>
+              <a:rPr kumimoji="1" lang="en-US" altLang="ja-JP" dirty="0" smtClean="0"/>
+              <a:t> </a:t>
+            </a:r>
+            <a:r>
+              <a:rPr kumimoji="1" lang="en-US" altLang="ja-JP" dirty="0" err="1" smtClean="0"/>
+              <a:t>angajatilor</a:t>
+            </a:r>
+            <a:r>
+              <a:rPr kumimoji="1" lang="en-US" altLang="ja-JP" dirty="0" smtClean="0"/>
+              <a:t> cat </a:t>
+            </a:r>
+            <a:r>
+              <a:rPr kumimoji="1" lang="en-US" altLang="ja-JP" dirty="0" err="1" smtClean="0"/>
+              <a:t>si</a:t>
+            </a:r>
+            <a:r>
+              <a:rPr kumimoji="1" lang="en-US" altLang="ja-JP" dirty="0" smtClean="0"/>
+              <a:t> </a:t>
+            </a:r>
+            <a:r>
+              <a:rPr kumimoji="1" lang="en-US" altLang="ja-JP" dirty="0" err="1" smtClean="0"/>
+              <a:t>aplicarea</a:t>
+            </a:r>
+            <a:r>
+              <a:rPr kumimoji="1" lang="en-US" altLang="ja-JP" dirty="0" smtClean="0"/>
+              <a:t> </a:t>
+            </a:r>
+            <a:r>
+              <a:rPr kumimoji="1" lang="en-US" altLang="ja-JP" dirty="0" err="1" smtClean="0"/>
+              <a:t>pentru</a:t>
+            </a:r>
+            <a:r>
+              <a:rPr kumimoji="1" lang="en-US" altLang="ja-JP" dirty="0" smtClean="0"/>
+              <a:t> </a:t>
+            </a:r>
+            <a:r>
+              <a:rPr kumimoji="1" lang="en-US" altLang="ja-JP" dirty="0" err="1" smtClean="0"/>
+              <a:t>anumite</a:t>
+            </a:r>
+            <a:r>
+              <a:rPr kumimoji="1" lang="en-US" altLang="ja-JP" dirty="0" smtClean="0"/>
+              <a:t> </a:t>
+            </a:r>
+            <a:r>
+              <a:rPr kumimoji="1" lang="en-US" altLang="ja-JP" dirty="0" err="1" smtClean="0"/>
+              <a:t>roluri</a:t>
+            </a:r>
+            <a:r>
+              <a:rPr kumimoji="1" lang="en-US" altLang="ja-JP" dirty="0" smtClean="0"/>
+              <a:t> in </a:t>
+            </a:r>
+            <a:r>
+              <a:rPr kumimoji="1" lang="en-US" altLang="ja-JP" dirty="0" err="1" smtClean="0"/>
+              <a:t>cadrul</a:t>
+            </a:r>
+            <a:r>
+              <a:rPr kumimoji="1" lang="en-US" altLang="ja-JP" dirty="0" smtClean="0"/>
+              <a:t> </a:t>
+            </a:r>
+            <a:r>
+              <a:rPr kumimoji="1" lang="en-US" altLang="ja-JP" dirty="0" err="1" smtClean="0"/>
+              <a:t>proiectelor</a:t>
+            </a:r>
+            <a:r>
+              <a:rPr kumimoji="1" lang="en-US" altLang="ja-JP" dirty="0" smtClean="0"/>
+              <a:t>.</a:t>
+            </a:r>
+          </a:p>
+          <a:p>
+            <a:pPr marL="342900" indent="-342900">
+              <a:buFont typeface="Arial" panose="020B0604020202020204" pitchFamily="34" charset="0"/>
+              <a:buChar char="•"/>
+            </a:pPr>
+            <a:r>
+              <a:rPr lang="en-US" altLang="ja-JP" dirty="0" smtClean="0"/>
+              <a:t>- </a:t>
+            </a:r>
+            <a:r>
+              <a:rPr lang="en-US" altLang="ja-JP" dirty="0" err="1" smtClean="0"/>
+              <a:t>simplificarea</a:t>
+            </a:r>
+            <a:r>
+              <a:rPr lang="en-US" altLang="ja-JP" dirty="0" smtClean="0"/>
+              <a:t> </a:t>
+            </a:r>
+            <a:r>
+              <a:rPr lang="en-US" altLang="ja-JP" dirty="0" err="1" smtClean="0"/>
+              <a:t>modului</a:t>
+            </a:r>
+            <a:r>
+              <a:rPr lang="en-US" altLang="ja-JP" dirty="0" smtClean="0"/>
+              <a:t> de </a:t>
+            </a:r>
+            <a:r>
+              <a:rPr lang="en-US" altLang="ja-JP" dirty="0" err="1" smtClean="0"/>
+              <a:t>lucru</a:t>
+            </a:r>
+            <a:endParaRPr lang="en-US" altLang="ja-JP" dirty="0"/>
+          </a:p>
+          <a:p>
+            <a:pPr marL="342900" indent="-342900">
+              <a:buFont typeface="Arial" panose="020B0604020202020204" pitchFamily="34" charset="0"/>
+              <a:buChar char="•"/>
+            </a:pPr>
+            <a:r>
+              <a:rPr kumimoji="1" lang="en-US" altLang="ja-JP" dirty="0" smtClean="0"/>
+              <a:t>- </a:t>
+            </a:r>
+            <a:r>
+              <a:rPr kumimoji="1" lang="en-US" altLang="ja-JP" dirty="0" err="1" smtClean="0"/>
+              <a:t>usurinta</a:t>
+            </a:r>
+            <a:r>
+              <a:rPr kumimoji="1" lang="en-US" altLang="ja-JP" dirty="0" smtClean="0"/>
+              <a:t> </a:t>
+            </a:r>
+            <a:r>
+              <a:rPr kumimoji="1" lang="en-US" altLang="ja-JP" dirty="0" err="1" smtClean="0"/>
+              <a:t>gestionarii</a:t>
+            </a:r>
+            <a:r>
+              <a:rPr kumimoji="1" lang="en-US" altLang="ja-JP" dirty="0" smtClean="0"/>
+              <a:t> </a:t>
+            </a:r>
+            <a:r>
+              <a:rPr kumimoji="1" lang="en-US" altLang="ja-JP" dirty="0" err="1" smtClean="0"/>
+              <a:t>aplicatiilor</a:t>
+            </a:r>
+            <a:r>
+              <a:rPr kumimoji="1" lang="en-US" altLang="ja-JP" dirty="0" smtClean="0"/>
+              <a:t> </a:t>
+            </a:r>
+            <a:r>
+              <a:rPr kumimoji="1" lang="en-US" altLang="ja-JP" dirty="0" err="1" smtClean="0"/>
+              <a:t>pentru</a:t>
+            </a:r>
+            <a:r>
+              <a:rPr kumimoji="1" lang="en-US" altLang="ja-JP" dirty="0" smtClean="0"/>
+              <a:t> </a:t>
+            </a:r>
+            <a:r>
+              <a:rPr kumimoji="1" lang="en-US" altLang="ja-JP" dirty="0" err="1" smtClean="0"/>
+              <a:t>locurile</a:t>
+            </a:r>
+            <a:r>
+              <a:rPr kumimoji="1" lang="en-US" altLang="ja-JP" dirty="0" smtClean="0"/>
+              <a:t> </a:t>
+            </a:r>
+            <a:r>
+              <a:rPr kumimoji="1" lang="en-US" altLang="ja-JP" dirty="0" err="1" smtClean="0"/>
+              <a:t>vacante</a:t>
+            </a:r>
             <a:endParaRPr kumimoji="1" lang="en-US" altLang="ja-JP" dirty="0"/>
           </a:p>
         </p:txBody>
@@ -9467,6 +9662,29 @@
 </file>
 
 <file path=customXml/item1.xml><?xml version="1.0" encoding="utf-8"?>
+<p:properties xmlns:p="http://schemas.microsoft.com/office/2006/metadata/properties" xmlns:xsi="http://www.w3.org/2001/XMLSchema-instance" xmlns:pc="http://schemas.microsoft.com/office/infopath/2007/PartnerControls">
+  <documentManagement>
+    <LikesCount xmlns="http://schemas.microsoft.com/sharepoint/v3" xsi:nil="true"/>
+    <Ratings xmlns="http://schemas.microsoft.com/sharepoint/v3" xsi:nil="true"/>
+    <LikedBy xmlns="http://schemas.microsoft.com/sharepoint/v3">
+      <UserInfo>
+        <DisplayName/>
+        <AccountId xsi:nil="true"/>
+        <AccountType/>
+      </UserInfo>
+    </LikedBy>
+    <RatedBy xmlns="http://schemas.microsoft.com/sharepoint/v3">
+      <UserInfo>
+        <DisplayName/>
+        <AccountId xsi:nil="true"/>
+        <AccountType/>
+      </UserInfo>
+    </RatedBy>
+  </documentManagement>
+</p:properties>
+</file>
+
+<file path=customXml/item2.xml><?xml version="1.0" encoding="utf-8"?>
 <ct:contentTypeSchema xmlns:ct="http://schemas.microsoft.com/office/2006/metadata/contentType" xmlns:ma="http://schemas.microsoft.com/office/2006/metadata/properties/metaAttributes" ct:_="" ma:_="" ma:contentTypeName="Document" ma:contentTypeID="0x0101007A8C684FA8C42B4A86CE93DF86929272" ma:contentTypeVersion="6" ma:contentTypeDescription="Creați un document nou." ma:contentTypeScope="" ma:versionID="850bdb4744d2508c807d1c0fc7b1d96f">
   <xsd:schema xmlns:xsd="http://www.w3.org/2001/XMLSchema" xmlns:xs="http://www.w3.org/2001/XMLSchema" xmlns:p="http://schemas.microsoft.com/office/2006/metadata/properties" xmlns:ns1="http://schemas.microsoft.com/sharepoint/v3" targetNamespace="http://schemas.microsoft.com/office/2006/metadata/properties" ma:root="true" ma:fieldsID="31b87b23e778e3135da97957819c371d" ns1:_="">
     <xsd:import namespace="http://schemas.microsoft.com/sharepoint/v3"/>
@@ -9650,29 +9868,6 @@
 </ct:contentTypeSchema>
 </file>
 
-<file path=customXml/item2.xml><?xml version="1.0" encoding="utf-8"?>
-<p:properties xmlns:p="http://schemas.microsoft.com/office/2006/metadata/properties" xmlns:xsi="http://www.w3.org/2001/XMLSchema-instance" xmlns:pc="http://schemas.microsoft.com/office/infopath/2007/PartnerControls">
-  <documentManagement>
-    <LikesCount xmlns="http://schemas.microsoft.com/sharepoint/v3" xsi:nil="true"/>
-    <Ratings xmlns="http://schemas.microsoft.com/sharepoint/v3" xsi:nil="true"/>
-    <LikedBy xmlns="http://schemas.microsoft.com/sharepoint/v3">
-      <UserInfo>
-        <DisplayName/>
-        <AccountId xsi:nil="true"/>
-        <AccountType/>
-      </UserInfo>
-    </LikedBy>
-    <RatedBy xmlns="http://schemas.microsoft.com/sharepoint/v3">
-      <UserInfo>
-        <DisplayName/>
-        <AccountId xsi:nil="true"/>
-        <AccountType/>
-      </UserInfo>
-    </RatedBy>
-  </documentManagement>
-</p:properties>
-</file>
-
 <file path=customXml/item3.xml><?xml version="1.0" encoding="utf-8"?>
 <?mso-contentType ?>
 <FormTemplates xmlns="http://schemas.microsoft.com/sharepoint/v3/contenttype/forms">
@@ -9683,6 +9878,22 @@
 </file>
 
 <file path=customXml/itemProps1.xml><?xml version="1.0" encoding="utf-8"?>
+<ds:datastoreItem xmlns:ds="http://schemas.openxmlformats.org/officeDocument/2006/customXml" ds:itemID="{47E42AB0-335C-44A0-A064-5814250D455A}">
+  <ds:schemaRefs>
+    <ds:schemaRef ds:uri="http://schemas.openxmlformats.org/package/2006/metadata/core-properties"/>
+    <ds:schemaRef ds:uri="http://www.w3.org/XML/1998/namespace"/>
+    <ds:schemaRef ds:uri="http://purl.org/dc/dcmitype/"/>
+    <ds:schemaRef ds:uri="http://schemas.microsoft.com/office/2006/documentManagement/types"/>
+    <ds:schemaRef ds:uri="http://purl.org/dc/elements/1.1/"/>
+    <ds:schemaRef ds:uri="http://schemas.microsoft.com/office/infopath/2007/PartnerControls"/>
+    <ds:schemaRef ds:uri="http://schemas.microsoft.com/sharepoint/v3"/>
+    <ds:schemaRef ds:uri="http://schemas.microsoft.com/office/2006/metadata/properties"/>
+    <ds:schemaRef ds:uri="http://purl.org/dc/terms/"/>
+  </ds:schemaRefs>
+</ds:datastoreItem>
+</file>
+
+<file path=customXml/itemProps2.xml><?xml version="1.0" encoding="utf-8"?>
 <ds:datastoreItem xmlns:ds="http://schemas.openxmlformats.org/officeDocument/2006/customXml" ds:itemID="{FF443908-1034-45DE-BFEC-E008AEB98E8F}">
   <ds:schemaRefs>
     <ds:schemaRef ds:uri="http://schemas.microsoft.com/office/2006/metadata/contentType"/>
@@ -9700,22 +9911,6 @@
 </ds:datastoreItem>
 </file>
 
-<file path=customXml/itemProps2.xml><?xml version="1.0" encoding="utf-8"?>
-<ds:datastoreItem xmlns:ds="http://schemas.openxmlformats.org/officeDocument/2006/customXml" ds:itemID="{47E42AB0-335C-44A0-A064-5814250D455A}">
-  <ds:schemaRefs>
-    <ds:schemaRef ds:uri="http://schemas.microsoft.com/office/infopath/2007/PartnerControls"/>
-    <ds:schemaRef ds:uri="http://schemas.microsoft.com/office/2006/documentManagement/types"/>
-    <ds:schemaRef ds:uri="http://purl.org/dc/dcmitype/"/>
-    <ds:schemaRef ds:uri="http://purl.org/dc/elements/1.1/"/>
-    <ds:schemaRef ds:uri="http://purl.org/dc/terms/"/>
-    <ds:schemaRef ds:uri="http://schemas.openxmlformats.org/package/2006/metadata/core-properties"/>
-    <ds:schemaRef ds:uri="http://schemas.microsoft.com/sharepoint/v3"/>
-    <ds:schemaRef ds:uri="http://schemas.microsoft.com/office/2006/metadata/properties"/>
-    <ds:schemaRef ds:uri="http://www.w3.org/XML/1998/namespace"/>
-  </ds:schemaRefs>
-</ds:datastoreItem>
-</file>
-
 <file path=customXml/itemProps3.xml><?xml version="1.0" encoding="utf-8"?>
 <ds:datastoreItem xmlns:ds="http://schemas.openxmlformats.org/officeDocument/2006/customXml" ds:itemID="{3B048EDF-277B-4100-9876-DF3685DEDB0B}">
   <ds:schemaRefs>
